--- a/ppt 16-9/1496.灵火继焚烧.pptx
+++ b/ppt 16-9/1496.灵火继焚烧.pptx
@@ -129,7 +129,7 @@
           <p:cNvPr id="2" name="标题 1">
             <a:extLst>
               <a:ext uri="{FF2B5EF4-FFF2-40B4-BE49-F238E27FC236}">
-                <a16:creationId xmlns:a16="http://schemas.microsoft.com/office/drawing/2014/main" id="{A6F39552-A27D-1013-8F77-A8FC2D3AB123}"/>
+                <a16:creationId xmlns:a16="http://schemas.microsoft.com/office/drawing/2014/main" id="{38F95751-665B-C863-0AB0-7EF1E883498C}"/>
               </a:ext>
             </a:extLst>
           </p:cNvPr>
@@ -166,7 +166,7 @@
           <p:cNvPr id="3" name="副标题 2">
             <a:extLst>
               <a:ext uri="{FF2B5EF4-FFF2-40B4-BE49-F238E27FC236}">
-                <a16:creationId xmlns:a16="http://schemas.microsoft.com/office/drawing/2014/main" id="{649FFA14-86A0-7E6B-B79B-41DBABCA2075}"/>
+                <a16:creationId xmlns:a16="http://schemas.microsoft.com/office/drawing/2014/main" id="{72724941-473E-2815-6937-B0CA0B06FA7D}"/>
               </a:ext>
             </a:extLst>
           </p:cNvPr>
@@ -236,7 +236,7 @@
           <p:cNvPr id="4" name="日期占位符 3">
             <a:extLst>
               <a:ext uri="{FF2B5EF4-FFF2-40B4-BE49-F238E27FC236}">
-                <a16:creationId xmlns:a16="http://schemas.microsoft.com/office/drawing/2014/main" id="{B2C951B0-C416-A0A5-D7F2-E21C1C85A3A3}"/>
+                <a16:creationId xmlns:a16="http://schemas.microsoft.com/office/drawing/2014/main" id="{C6921B3F-92FB-32FC-E51D-ACE459C46629}"/>
               </a:ext>
             </a:extLst>
           </p:cNvPr>
@@ -252,7 +252,7 @@
           <a:bodyPr/>
           <a:lstStyle/>
           <a:p>
-            <a:fld id="{0E60DBFC-B993-4FDD-9CA2-0536AE0CADE6}" type="datetimeFigureOut">
+            <a:fld id="{600643FD-1EED-45C8-AE19-EBD5A03A96CA}" type="datetimeFigureOut">
               <a:rPr lang="zh-CN" altLang="en-US" smtClean="0"/>
               <a:t>2024/3/10</a:t>
             </a:fld>
@@ -265,7 +265,7 @@
           <p:cNvPr id="5" name="页脚占位符 4">
             <a:extLst>
               <a:ext uri="{FF2B5EF4-FFF2-40B4-BE49-F238E27FC236}">
-                <a16:creationId xmlns:a16="http://schemas.microsoft.com/office/drawing/2014/main" id="{BBBB30D0-7646-6FC7-F8A3-67CB93C1E8D3}"/>
+                <a16:creationId xmlns:a16="http://schemas.microsoft.com/office/drawing/2014/main" id="{A0D4140B-4FC9-ECA0-AA25-24A1891DBB28}"/>
               </a:ext>
             </a:extLst>
           </p:cNvPr>
@@ -290,7 +290,7 @@
           <p:cNvPr id="6" name="灯片编号占位符 5">
             <a:extLst>
               <a:ext uri="{FF2B5EF4-FFF2-40B4-BE49-F238E27FC236}">
-                <a16:creationId xmlns:a16="http://schemas.microsoft.com/office/drawing/2014/main" id="{B5FBC777-1D36-E6F7-885D-D1F033996C04}"/>
+                <a16:creationId xmlns:a16="http://schemas.microsoft.com/office/drawing/2014/main" id="{50173D47-65B9-C854-5A14-7B7B8CBD5177}"/>
               </a:ext>
             </a:extLst>
           </p:cNvPr>
@@ -306,7 +306,7 @@
           <a:bodyPr/>
           <a:lstStyle/>
           <a:p>
-            <a:fld id="{D3AA8F4A-D5A5-4682-882E-9CB318BD6A57}" type="slidenum">
+            <a:fld id="{70448DE1-5C5B-47B0-B115-BFD50C7823C6}" type="slidenum">
               <a:rPr lang="zh-CN" altLang="en-US" smtClean="0"/>
               <a:t>‹#›</a:t>
             </a:fld>
@@ -317,7 +317,7 @@
     </p:spTree>
     <p:extLst>
       <p:ext uri="{BB962C8B-B14F-4D97-AF65-F5344CB8AC3E}">
-        <p14:creationId xmlns:p14="http://schemas.microsoft.com/office/powerpoint/2010/main" val="743619496"/>
+        <p14:creationId xmlns:p14="http://schemas.microsoft.com/office/powerpoint/2010/main" val="1909399137"/>
       </p:ext>
     </p:extLst>
   </p:cSld>
@@ -349,7 +349,7 @@
           <p:cNvPr id="2" name="标题 1">
             <a:extLst>
               <a:ext uri="{FF2B5EF4-FFF2-40B4-BE49-F238E27FC236}">
-                <a16:creationId xmlns:a16="http://schemas.microsoft.com/office/drawing/2014/main" id="{F7CA8F64-4911-2853-112E-71105BB2D99D}"/>
+                <a16:creationId xmlns:a16="http://schemas.microsoft.com/office/drawing/2014/main" id="{44B876DA-F357-2DC6-499E-7CB45076A5A6}"/>
               </a:ext>
             </a:extLst>
           </p:cNvPr>
@@ -377,7 +377,7 @@
           <p:cNvPr id="3" name="竖排文字占位符 2">
             <a:extLst>
               <a:ext uri="{FF2B5EF4-FFF2-40B4-BE49-F238E27FC236}">
-                <a16:creationId xmlns:a16="http://schemas.microsoft.com/office/drawing/2014/main" id="{30417C20-5222-C4FA-4F13-3A06C0B61D6F}"/>
+                <a16:creationId xmlns:a16="http://schemas.microsoft.com/office/drawing/2014/main" id="{286A8C98-DED8-3C8C-BF35-2E53AB1D8653}"/>
               </a:ext>
             </a:extLst>
           </p:cNvPr>
@@ -434,7 +434,7 @@
           <p:cNvPr id="4" name="日期占位符 3">
             <a:extLst>
               <a:ext uri="{FF2B5EF4-FFF2-40B4-BE49-F238E27FC236}">
-                <a16:creationId xmlns:a16="http://schemas.microsoft.com/office/drawing/2014/main" id="{69DFF5A7-93AD-E12A-F5E5-936753DB496F}"/>
+                <a16:creationId xmlns:a16="http://schemas.microsoft.com/office/drawing/2014/main" id="{E6B33AB8-2ED2-78B4-2258-EBCFD0BC7E36}"/>
               </a:ext>
             </a:extLst>
           </p:cNvPr>
@@ -450,7 +450,7 @@
           <a:bodyPr/>
           <a:lstStyle/>
           <a:p>
-            <a:fld id="{0E60DBFC-B993-4FDD-9CA2-0536AE0CADE6}" type="datetimeFigureOut">
+            <a:fld id="{600643FD-1EED-45C8-AE19-EBD5A03A96CA}" type="datetimeFigureOut">
               <a:rPr lang="zh-CN" altLang="en-US" smtClean="0"/>
               <a:t>2024/3/10</a:t>
             </a:fld>
@@ -463,7 +463,7 @@
           <p:cNvPr id="5" name="页脚占位符 4">
             <a:extLst>
               <a:ext uri="{FF2B5EF4-FFF2-40B4-BE49-F238E27FC236}">
-                <a16:creationId xmlns:a16="http://schemas.microsoft.com/office/drawing/2014/main" id="{D5CB8386-0421-4FCD-9A31-9ABC76595774}"/>
+                <a16:creationId xmlns:a16="http://schemas.microsoft.com/office/drawing/2014/main" id="{C6FC6246-1671-3AE6-FD1E-3C277E87FFDC}"/>
               </a:ext>
             </a:extLst>
           </p:cNvPr>
@@ -488,7 +488,7 @@
           <p:cNvPr id="6" name="灯片编号占位符 5">
             <a:extLst>
               <a:ext uri="{FF2B5EF4-FFF2-40B4-BE49-F238E27FC236}">
-                <a16:creationId xmlns:a16="http://schemas.microsoft.com/office/drawing/2014/main" id="{A7CD7CA6-506E-E617-431E-6BDFB495533E}"/>
+                <a16:creationId xmlns:a16="http://schemas.microsoft.com/office/drawing/2014/main" id="{A9794A87-A941-A953-14C0-5936A0702B61}"/>
               </a:ext>
             </a:extLst>
           </p:cNvPr>
@@ -504,7 +504,7 @@
           <a:bodyPr/>
           <a:lstStyle/>
           <a:p>
-            <a:fld id="{D3AA8F4A-D5A5-4682-882E-9CB318BD6A57}" type="slidenum">
+            <a:fld id="{70448DE1-5C5B-47B0-B115-BFD50C7823C6}" type="slidenum">
               <a:rPr lang="zh-CN" altLang="en-US" smtClean="0"/>
               <a:t>‹#›</a:t>
             </a:fld>
@@ -515,7 +515,7 @@
     </p:spTree>
     <p:extLst>
       <p:ext uri="{BB962C8B-B14F-4D97-AF65-F5344CB8AC3E}">
-        <p14:creationId xmlns:p14="http://schemas.microsoft.com/office/powerpoint/2010/main" val="1625637190"/>
+        <p14:creationId xmlns:p14="http://schemas.microsoft.com/office/powerpoint/2010/main" val="1165913871"/>
       </p:ext>
     </p:extLst>
   </p:cSld>
@@ -547,7 +547,7 @@
           <p:cNvPr id="2" name="竖排标题 1">
             <a:extLst>
               <a:ext uri="{FF2B5EF4-FFF2-40B4-BE49-F238E27FC236}">
-                <a16:creationId xmlns:a16="http://schemas.microsoft.com/office/drawing/2014/main" id="{C439B08F-9231-4BC6-8AB4-BCBE920F0186}"/>
+                <a16:creationId xmlns:a16="http://schemas.microsoft.com/office/drawing/2014/main" id="{71E57155-6C78-5EFE-D6F7-A69DE957BE05}"/>
               </a:ext>
             </a:extLst>
           </p:cNvPr>
@@ -580,7 +580,7 @@
           <p:cNvPr id="3" name="竖排文字占位符 2">
             <a:extLst>
               <a:ext uri="{FF2B5EF4-FFF2-40B4-BE49-F238E27FC236}">
-                <a16:creationId xmlns:a16="http://schemas.microsoft.com/office/drawing/2014/main" id="{F3857851-14A3-9971-C26E-A258E67F17ED}"/>
+                <a16:creationId xmlns:a16="http://schemas.microsoft.com/office/drawing/2014/main" id="{4FBA194D-2C70-C9EE-6D72-51D7271A8BB2}"/>
               </a:ext>
             </a:extLst>
           </p:cNvPr>
@@ -642,7 +642,7 @@
           <p:cNvPr id="4" name="日期占位符 3">
             <a:extLst>
               <a:ext uri="{FF2B5EF4-FFF2-40B4-BE49-F238E27FC236}">
-                <a16:creationId xmlns:a16="http://schemas.microsoft.com/office/drawing/2014/main" id="{DF657C66-EFD2-E927-D4E5-A1C988A1E8C0}"/>
+                <a16:creationId xmlns:a16="http://schemas.microsoft.com/office/drawing/2014/main" id="{901D069E-6D4B-D7A4-3B14-7F53AE325435}"/>
               </a:ext>
             </a:extLst>
           </p:cNvPr>
@@ -658,7 +658,7 @@
           <a:bodyPr/>
           <a:lstStyle/>
           <a:p>
-            <a:fld id="{0E60DBFC-B993-4FDD-9CA2-0536AE0CADE6}" type="datetimeFigureOut">
+            <a:fld id="{600643FD-1EED-45C8-AE19-EBD5A03A96CA}" type="datetimeFigureOut">
               <a:rPr lang="zh-CN" altLang="en-US" smtClean="0"/>
               <a:t>2024/3/10</a:t>
             </a:fld>
@@ -671,7 +671,7 @@
           <p:cNvPr id="5" name="页脚占位符 4">
             <a:extLst>
               <a:ext uri="{FF2B5EF4-FFF2-40B4-BE49-F238E27FC236}">
-                <a16:creationId xmlns:a16="http://schemas.microsoft.com/office/drawing/2014/main" id="{4DDDB7C6-1AF9-3406-198D-FA279EECBD6F}"/>
+                <a16:creationId xmlns:a16="http://schemas.microsoft.com/office/drawing/2014/main" id="{4987B7DF-8C70-B07C-EA93-8CCCB5BD7106}"/>
               </a:ext>
             </a:extLst>
           </p:cNvPr>
@@ -696,7 +696,7 @@
           <p:cNvPr id="6" name="灯片编号占位符 5">
             <a:extLst>
               <a:ext uri="{FF2B5EF4-FFF2-40B4-BE49-F238E27FC236}">
-                <a16:creationId xmlns:a16="http://schemas.microsoft.com/office/drawing/2014/main" id="{C94C0604-9D8F-0E1E-D660-FD04348CFD0E}"/>
+                <a16:creationId xmlns:a16="http://schemas.microsoft.com/office/drawing/2014/main" id="{BBAD76AF-1C8C-8E91-143D-A41374B55B98}"/>
               </a:ext>
             </a:extLst>
           </p:cNvPr>
@@ -712,7 +712,7 @@
           <a:bodyPr/>
           <a:lstStyle/>
           <a:p>
-            <a:fld id="{D3AA8F4A-D5A5-4682-882E-9CB318BD6A57}" type="slidenum">
+            <a:fld id="{70448DE1-5C5B-47B0-B115-BFD50C7823C6}" type="slidenum">
               <a:rPr lang="zh-CN" altLang="en-US" smtClean="0"/>
               <a:t>‹#›</a:t>
             </a:fld>
@@ -723,7 +723,7 @@
     </p:spTree>
     <p:extLst>
       <p:ext uri="{BB962C8B-B14F-4D97-AF65-F5344CB8AC3E}">
-        <p14:creationId xmlns:p14="http://schemas.microsoft.com/office/powerpoint/2010/main" val="3489278557"/>
+        <p14:creationId xmlns:p14="http://schemas.microsoft.com/office/powerpoint/2010/main" val="1312020036"/>
       </p:ext>
     </p:extLst>
   </p:cSld>
@@ -755,7 +755,7 @@
           <p:cNvPr id="2" name="标题 1">
             <a:extLst>
               <a:ext uri="{FF2B5EF4-FFF2-40B4-BE49-F238E27FC236}">
-                <a16:creationId xmlns:a16="http://schemas.microsoft.com/office/drawing/2014/main" id="{2A23E02A-73D7-F987-5DB2-B80CC48F1EBE}"/>
+                <a16:creationId xmlns:a16="http://schemas.microsoft.com/office/drawing/2014/main" id="{0867EA02-357D-D0A2-8F9A-B9BD193EB897}"/>
               </a:ext>
             </a:extLst>
           </p:cNvPr>
@@ -783,7 +783,7 @@
           <p:cNvPr id="3" name="内容占位符 2">
             <a:extLst>
               <a:ext uri="{FF2B5EF4-FFF2-40B4-BE49-F238E27FC236}">
-                <a16:creationId xmlns:a16="http://schemas.microsoft.com/office/drawing/2014/main" id="{28CC3A08-598F-E8E6-B142-174AD2166628}"/>
+                <a16:creationId xmlns:a16="http://schemas.microsoft.com/office/drawing/2014/main" id="{4DE86B31-61DB-2B25-D1B5-892DF99A9AD2}"/>
               </a:ext>
             </a:extLst>
           </p:cNvPr>
@@ -840,7 +840,7 @@
           <p:cNvPr id="4" name="日期占位符 3">
             <a:extLst>
               <a:ext uri="{FF2B5EF4-FFF2-40B4-BE49-F238E27FC236}">
-                <a16:creationId xmlns:a16="http://schemas.microsoft.com/office/drawing/2014/main" id="{88BFC5D3-6979-796C-B4F2-455BBFB1C457}"/>
+                <a16:creationId xmlns:a16="http://schemas.microsoft.com/office/drawing/2014/main" id="{3685536C-D91D-9550-ED30-BD69E9D60F13}"/>
               </a:ext>
             </a:extLst>
           </p:cNvPr>
@@ -856,7 +856,7 @@
           <a:bodyPr/>
           <a:lstStyle/>
           <a:p>
-            <a:fld id="{0E60DBFC-B993-4FDD-9CA2-0536AE0CADE6}" type="datetimeFigureOut">
+            <a:fld id="{600643FD-1EED-45C8-AE19-EBD5A03A96CA}" type="datetimeFigureOut">
               <a:rPr lang="zh-CN" altLang="en-US" smtClean="0"/>
               <a:t>2024/3/10</a:t>
             </a:fld>
@@ -869,7 +869,7 @@
           <p:cNvPr id="5" name="页脚占位符 4">
             <a:extLst>
               <a:ext uri="{FF2B5EF4-FFF2-40B4-BE49-F238E27FC236}">
-                <a16:creationId xmlns:a16="http://schemas.microsoft.com/office/drawing/2014/main" id="{527DCABD-05BC-29C6-A2C8-9EEBD4521E87}"/>
+                <a16:creationId xmlns:a16="http://schemas.microsoft.com/office/drawing/2014/main" id="{91EF8708-E938-B8A0-D81E-D5A93FA31E08}"/>
               </a:ext>
             </a:extLst>
           </p:cNvPr>
@@ -894,7 +894,7 @@
           <p:cNvPr id="6" name="灯片编号占位符 5">
             <a:extLst>
               <a:ext uri="{FF2B5EF4-FFF2-40B4-BE49-F238E27FC236}">
-                <a16:creationId xmlns:a16="http://schemas.microsoft.com/office/drawing/2014/main" id="{38FA5C9F-F792-3804-AD8A-0A21A6472664}"/>
+                <a16:creationId xmlns:a16="http://schemas.microsoft.com/office/drawing/2014/main" id="{8B0E27F9-8345-42AD-9C29-7133F6FD70D0}"/>
               </a:ext>
             </a:extLst>
           </p:cNvPr>
@@ -910,7 +910,7 @@
           <a:bodyPr/>
           <a:lstStyle/>
           <a:p>
-            <a:fld id="{D3AA8F4A-D5A5-4682-882E-9CB318BD6A57}" type="slidenum">
+            <a:fld id="{70448DE1-5C5B-47B0-B115-BFD50C7823C6}" type="slidenum">
               <a:rPr lang="zh-CN" altLang="en-US" smtClean="0"/>
               <a:t>‹#›</a:t>
             </a:fld>
@@ -921,7 +921,7 @@
     </p:spTree>
     <p:extLst>
       <p:ext uri="{BB962C8B-B14F-4D97-AF65-F5344CB8AC3E}">
-        <p14:creationId xmlns:p14="http://schemas.microsoft.com/office/powerpoint/2010/main" val="3539598205"/>
+        <p14:creationId xmlns:p14="http://schemas.microsoft.com/office/powerpoint/2010/main" val="1016172222"/>
       </p:ext>
     </p:extLst>
   </p:cSld>
@@ -953,7 +953,7 @@
           <p:cNvPr id="2" name="标题 1">
             <a:extLst>
               <a:ext uri="{FF2B5EF4-FFF2-40B4-BE49-F238E27FC236}">
-                <a16:creationId xmlns:a16="http://schemas.microsoft.com/office/drawing/2014/main" id="{AB9EFE37-53BA-4B55-82E9-D9CA13473E15}"/>
+                <a16:creationId xmlns:a16="http://schemas.microsoft.com/office/drawing/2014/main" id="{69F28E09-89F3-86E5-FD64-78DE9B04D3D6}"/>
               </a:ext>
             </a:extLst>
           </p:cNvPr>
@@ -990,7 +990,7 @@
           <p:cNvPr id="3" name="文本占位符 2">
             <a:extLst>
               <a:ext uri="{FF2B5EF4-FFF2-40B4-BE49-F238E27FC236}">
-                <a16:creationId xmlns:a16="http://schemas.microsoft.com/office/drawing/2014/main" id="{25A1A00C-F060-A46D-74D8-14CFBEA70AE4}"/>
+                <a16:creationId xmlns:a16="http://schemas.microsoft.com/office/drawing/2014/main" id="{616C5BB3-E97E-975C-F102-04F6CC12B4E5}"/>
               </a:ext>
             </a:extLst>
           </p:cNvPr>
@@ -1115,7 +1115,7 @@
           <p:cNvPr id="4" name="日期占位符 3">
             <a:extLst>
               <a:ext uri="{FF2B5EF4-FFF2-40B4-BE49-F238E27FC236}">
-                <a16:creationId xmlns:a16="http://schemas.microsoft.com/office/drawing/2014/main" id="{48568CC7-62A3-2204-5DFF-33BF1CF52CB1}"/>
+                <a16:creationId xmlns:a16="http://schemas.microsoft.com/office/drawing/2014/main" id="{F6F9B0A4-28E8-1402-1E4A-9CD58F3247F8}"/>
               </a:ext>
             </a:extLst>
           </p:cNvPr>
@@ -1131,7 +1131,7 @@
           <a:bodyPr/>
           <a:lstStyle/>
           <a:p>
-            <a:fld id="{0E60DBFC-B993-4FDD-9CA2-0536AE0CADE6}" type="datetimeFigureOut">
+            <a:fld id="{600643FD-1EED-45C8-AE19-EBD5A03A96CA}" type="datetimeFigureOut">
               <a:rPr lang="zh-CN" altLang="en-US" smtClean="0"/>
               <a:t>2024/3/10</a:t>
             </a:fld>
@@ -1144,7 +1144,7 @@
           <p:cNvPr id="5" name="页脚占位符 4">
             <a:extLst>
               <a:ext uri="{FF2B5EF4-FFF2-40B4-BE49-F238E27FC236}">
-                <a16:creationId xmlns:a16="http://schemas.microsoft.com/office/drawing/2014/main" id="{11F7B75E-BD86-51C5-AFFE-7FA797D7DDCF}"/>
+                <a16:creationId xmlns:a16="http://schemas.microsoft.com/office/drawing/2014/main" id="{3A483BC8-714F-54DB-387F-F217BD1988F7}"/>
               </a:ext>
             </a:extLst>
           </p:cNvPr>
@@ -1169,7 +1169,7 @@
           <p:cNvPr id="6" name="灯片编号占位符 5">
             <a:extLst>
               <a:ext uri="{FF2B5EF4-FFF2-40B4-BE49-F238E27FC236}">
-                <a16:creationId xmlns:a16="http://schemas.microsoft.com/office/drawing/2014/main" id="{C86B8F9D-0DC0-EAAC-D7A3-F85559DD9A09}"/>
+                <a16:creationId xmlns:a16="http://schemas.microsoft.com/office/drawing/2014/main" id="{02628F6C-01C2-A619-A8F5-0592C4A8443B}"/>
               </a:ext>
             </a:extLst>
           </p:cNvPr>
@@ -1185,7 +1185,7 @@
           <a:bodyPr/>
           <a:lstStyle/>
           <a:p>
-            <a:fld id="{D3AA8F4A-D5A5-4682-882E-9CB318BD6A57}" type="slidenum">
+            <a:fld id="{70448DE1-5C5B-47B0-B115-BFD50C7823C6}" type="slidenum">
               <a:rPr lang="zh-CN" altLang="en-US" smtClean="0"/>
               <a:t>‹#›</a:t>
             </a:fld>
@@ -1196,7 +1196,7 @@
     </p:spTree>
     <p:extLst>
       <p:ext uri="{BB962C8B-B14F-4D97-AF65-F5344CB8AC3E}">
-        <p14:creationId xmlns:p14="http://schemas.microsoft.com/office/powerpoint/2010/main" val="2465781319"/>
+        <p14:creationId xmlns:p14="http://schemas.microsoft.com/office/powerpoint/2010/main" val="3607517073"/>
       </p:ext>
     </p:extLst>
   </p:cSld>
@@ -1228,7 +1228,7 @@
           <p:cNvPr id="2" name="标题 1">
             <a:extLst>
               <a:ext uri="{FF2B5EF4-FFF2-40B4-BE49-F238E27FC236}">
-                <a16:creationId xmlns:a16="http://schemas.microsoft.com/office/drawing/2014/main" id="{54C5536D-0583-0482-D8E9-932457EF657B}"/>
+                <a16:creationId xmlns:a16="http://schemas.microsoft.com/office/drawing/2014/main" id="{1033E59C-2F72-AF55-7011-F35D3EFE99A5}"/>
               </a:ext>
             </a:extLst>
           </p:cNvPr>
@@ -1256,7 +1256,7 @@
           <p:cNvPr id="3" name="内容占位符 2">
             <a:extLst>
               <a:ext uri="{FF2B5EF4-FFF2-40B4-BE49-F238E27FC236}">
-                <a16:creationId xmlns:a16="http://schemas.microsoft.com/office/drawing/2014/main" id="{897E7214-1E12-2B8B-5E8F-515C8CE44B06}"/>
+                <a16:creationId xmlns:a16="http://schemas.microsoft.com/office/drawing/2014/main" id="{6ADA8C7A-E250-2E9F-1AC4-A1FB679259D8}"/>
               </a:ext>
             </a:extLst>
           </p:cNvPr>
@@ -1318,7 +1318,7 @@
           <p:cNvPr id="4" name="内容占位符 3">
             <a:extLst>
               <a:ext uri="{FF2B5EF4-FFF2-40B4-BE49-F238E27FC236}">
-                <a16:creationId xmlns:a16="http://schemas.microsoft.com/office/drawing/2014/main" id="{E28A4A87-2992-642B-F2F4-BC100557401A}"/>
+                <a16:creationId xmlns:a16="http://schemas.microsoft.com/office/drawing/2014/main" id="{692786B2-57DC-0BAB-6CF0-5BD2A178A776}"/>
               </a:ext>
             </a:extLst>
           </p:cNvPr>
@@ -1380,7 +1380,7 @@
           <p:cNvPr id="5" name="日期占位符 4">
             <a:extLst>
               <a:ext uri="{FF2B5EF4-FFF2-40B4-BE49-F238E27FC236}">
-                <a16:creationId xmlns:a16="http://schemas.microsoft.com/office/drawing/2014/main" id="{BAEC0BFD-F07E-6D78-418C-E62B42BC7E03}"/>
+                <a16:creationId xmlns:a16="http://schemas.microsoft.com/office/drawing/2014/main" id="{08AC0851-A4C8-A90B-4790-751E1845C75C}"/>
               </a:ext>
             </a:extLst>
           </p:cNvPr>
@@ -1396,7 +1396,7 @@
           <a:bodyPr/>
           <a:lstStyle/>
           <a:p>
-            <a:fld id="{0E60DBFC-B993-4FDD-9CA2-0536AE0CADE6}" type="datetimeFigureOut">
+            <a:fld id="{600643FD-1EED-45C8-AE19-EBD5A03A96CA}" type="datetimeFigureOut">
               <a:rPr lang="zh-CN" altLang="en-US" smtClean="0"/>
               <a:t>2024/3/10</a:t>
             </a:fld>
@@ -1409,7 +1409,7 @@
           <p:cNvPr id="6" name="页脚占位符 5">
             <a:extLst>
               <a:ext uri="{FF2B5EF4-FFF2-40B4-BE49-F238E27FC236}">
-                <a16:creationId xmlns:a16="http://schemas.microsoft.com/office/drawing/2014/main" id="{95699F60-E567-5323-A0D9-55AE1DD1DE4C}"/>
+                <a16:creationId xmlns:a16="http://schemas.microsoft.com/office/drawing/2014/main" id="{AFB98A34-5A2A-712C-E567-1C0999C38D10}"/>
               </a:ext>
             </a:extLst>
           </p:cNvPr>
@@ -1434,7 +1434,7 @@
           <p:cNvPr id="7" name="灯片编号占位符 6">
             <a:extLst>
               <a:ext uri="{FF2B5EF4-FFF2-40B4-BE49-F238E27FC236}">
-                <a16:creationId xmlns:a16="http://schemas.microsoft.com/office/drawing/2014/main" id="{ADB07947-F313-6765-3ACD-578EBD41C832}"/>
+                <a16:creationId xmlns:a16="http://schemas.microsoft.com/office/drawing/2014/main" id="{4B983A36-A805-D4BA-2C08-2C35D8544FB1}"/>
               </a:ext>
             </a:extLst>
           </p:cNvPr>
@@ -1450,7 +1450,7 @@
           <a:bodyPr/>
           <a:lstStyle/>
           <a:p>
-            <a:fld id="{D3AA8F4A-D5A5-4682-882E-9CB318BD6A57}" type="slidenum">
+            <a:fld id="{70448DE1-5C5B-47B0-B115-BFD50C7823C6}" type="slidenum">
               <a:rPr lang="zh-CN" altLang="en-US" smtClean="0"/>
               <a:t>‹#›</a:t>
             </a:fld>
@@ -1461,7 +1461,7 @@
     </p:spTree>
     <p:extLst>
       <p:ext uri="{BB962C8B-B14F-4D97-AF65-F5344CB8AC3E}">
-        <p14:creationId xmlns:p14="http://schemas.microsoft.com/office/powerpoint/2010/main" val="3659948355"/>
+        <p14:creationId xmlns:p14="http://schemas.microsoft.com/office/powerpoint/2010/main" val="3303339173"/>
       </p:ext>
     </p:extLst>
   </p:cSld>
@@ -1493,7 +1493,7 @@
           <p:cNvPr id="2" name="标题 1">
             <a:extLst>
               <a:ext uri="{FF2B5EF4-FFF2-40B4-BE49-F238E27FC236}">
-                <a16:creationId xmlns:a16="http://schemas.microsoft.com/office/drawing/2014/main" id="{5251314F-088F-85DA-CD05-571B47699ECA}"/>
+                <a16:creationId xmlns:a16="http://schemas.microsoft.com/office/drawing/2014/main" id="{CC8CA7F5-0D5A-721D-B07F-3B8128751607}"/>
               </a:ext>
             </a:extLst>
           </p:cNvPr>
@@ -1526,7 +1526,7 @@
           <p:cNvPr id="3" name="文本占位符 2">
             <a:extLst>
               <a:ext uri="{FF2B5EF4-FFF2-40B4-BE49-F238E27FC236}">
-                <a16:creationId xmlns:a16="http://schemas.microsoft.com/office/drawing/2014/main" id="{1C35AC14-327A-174D-F246-AC33276F437A}"/>
+                <a16:creationId xmlns:a16="http://schemas.microsoft.com/office/drawing/2014/main" id="{B439B312-ED21-DC0D-1F84-692C4407666A}"/>
               </a:ext>
             </a:extLst>
           </p:cNvPr>
@@ -1597,7 +1597,7 @@
           <p:cNvPr id="4" name="内容占位符 3">
             <a:extLst>
               <a:ext uri="{FF2B5EF4-FFF2-40B4-BE49-F238E27FC236}">
-                <a16:creationId xmlns:a16="http://schemas.microsoft.com/office/drawing/2014/main" id="{ACEAC002-B1C2-7CF5-4879-4A09152C09FD}"/>
+                <a16:creationId xmlns:a16="http://schemas.microsoft.com/office/drawing/2014/main" id="{41FDC778-F465-D4F9-E182-1C19953424CE}"/>
               </a:ext>
             </a:extLst>
           </p:cNvPr>
@@ -1659,7 +1659,7 @@
           <p:cNvPr id="5" name="文本占位符 4">
             <a:extLst>
               <a:ext uri="{FF2B5EF4-FFF2-40B4-BE49-F238E27FC236}">
-                <a16:creationId xmlns:a16="http://schemas.microsoft.com/office/drawing/2014/main" id="{3A572852-8A7B-2447-C0E2-79994F5E45EF}"/>
+                <a16:creationId xmlns:a16="http://schemas.microsoft.com/office/drawing/2014/main" id="{50919890-C4AA-02CC-7444-17442DE3997B}"/>
               </a:ext>
             </a:extLst>
           </p:cNvPr>
@@ -1730,7 +1730,7 @@
           <p:cNvPr id="6" name="内容占位符 5">
             <a:extLst>
               <a:ext uri="{FF2B5EF4-FFF2-40B4-BE49-F238E27FC236}">
-                <a16:creationId xmlns:a16="http://schemas.microsoft.com/office/drawing/2014/main" id="{D3674276-44B2-B739-C763-77AB3C2C6068}"/>
+                <a16:creationId xmlns:a16="http://schemas.microsoft.com/office/drawing/2014/main" id="{E6B2002F-2E7D-ADE8-5C4F-3BA720CB4E1E}"/>
               </a:ext>
             </a:extLst>
           </p:cNvPr>
@@ -1792,7 +1792,7 @@
           <p:cNvPr id="7" name="日期占位符 6">
             <a:extLst>
               <a:ext uri="{FF2B5EF4-FFF2-40B4-BE49-F238E27FC236}">
-                <a16:creationId xmlns:a16="http://schemas.microsoft.com/office/drawing/2014/main" id="{ACF58801-78A5-DAB6-937A-CD40DDC224EE}"/>
+                <a16:creationId xmlns:a16="http://schemas.microsoft.com/office/drawing/2014/main" id="{8B638B39-E81D-15C5-20F2-C4F96A41A0C7}"/>
               </a:ext>
             </a:extLst>
           </p:cNvPr>
@@ -1808,7 +1808,7 @@
           <a:bodyPr/>
           <a:lstStyle/>
           <a:p>
-            <a:fld id="{0E60DBFC-B993-4FDD-9CA2-0536AE0CADE6}" type="datetimeFigureOut">
+            <a:fld id="{600643FD-1EED-45C8-AE19-EBD5A03A96CA}" type="datetimeFigureOut">
               <a:rPr lang="zh-CN" altLang="en-US" smtClean="0"/>
               <a:t>2024/3/10</a:t>
             </a:fld>
@@ -1821,7 +1821,7 @@
           <p:cNvPr id="8" name="页脚占位符 7">
             <a:extLst>
               <a:ext uri="{FF2B5EF4-FFF2-40B4-BE49-F238E27FC236}">
-                <a16:creationId xmlns:a16="http://schemas.microsoft.com/office/drawing/2014/main" id="{14D2FCC4-31E4-9DD9-4AE8-00F4ECBA4B81}"/>
+                <a16:creationId xmlns:a16="http://schemas.microsoft.com/office/drawing/2014/main" id="{077CF1E0-9605-8832-20DE-D04F3FFE49BB}"/>
               </a:ext>
             </a:extLst>
           </p:cNvPr>
@@ -1846,7 +1846,7 @@
           <p:cNvPr id="9" name="灯片编号占位符 8">
             <a:extLst>
               <a:ext uri="{FF2B5EF4-FFF2-40B4-BE49-F238E27FC236}">
-                <a16:creationId xmlns:a16="http://schemas.microsoft.com/office/drawing/2014/main" id="{901163EB-641C-7A0E-3703-88BE3D22EA3C}"/>
+                <a16:creationId xmlns:a16="http://schemas.microsoft.com/office/drawing/2014/main" id="{E19E42A4-F164-A686-30CB-921CCEA570EB}"/>
               </a:ext>
             </a:extLst>
           </p:cNvPr>
@@ -1862,7 +1862,7 @@
           <a:bodyPr/>
           <a:lstStyle/>
           <a:p>
-            <a:fld id="{D3AA8F4A-D5A5-4682-882E-9CB318BD6A57}" type="slidenum">
+            <a:fld id="{70448DE1-5C5B-47B0-B115-BFD50C7823C6}" type="slidenum">
               <a:rPr lang="zh-CN" altLang="en-US" smtClean="0"/>
               <a:t>‹#›</a:t>
             </a:fld>
@@ -1873,7 +1873,7 @@
     </p:spTree>
     <p:extLst>
       <p:ext uri="{BB962C8B-B14F-4D97-AF65-F5344CB8AC3E}">
-        <p14:creationId xmlns:p14="http://schemas.microsoft.com/office/powerpoint/2010/main" val="2195156607"/>
+        <p14:creationId xmlns:p14="http://schemas.microsoft.com/office/powerpoint/2010/main" val="4039384691"/>
       </p:ext>
     </p:extLst>
   </p:cSld>
@@ -1905,7 +1905,7 @@
           <p:cNvPr id="2" name="标题 1">
             <a:extLst>
               <a:ext uri="{FF2B5EF4-FFF2-40B4-BE49-F238E27FC236}">
-                <a16:creationId xmlns:a16="http://schemas.microsoft.com/office/drawing/2014/main" id="{40A8B879-777F-FC75-9AB2-1D1D2EE67877}"/>
+                <a16:creationId xmlns:a16="http://schemas.microsoft.com/office/drawing/2014/main" id="{B1C9311D-EFE2-2340-378F-5A2FD6E9E047}"/>
               </a:ext>
             </a:extLst>
           </p:cNvPr>
@@ -1933,7 +1933,7 @@
           <p:cNvPr id="3" name="日期占位符 2">
             <a:extLst>
               <a:ext uri="{FF2B5EF4-FFF2-40B4-BE49-F238E27FC236}">
-                <a16:creationId xmlns:a16="http://schemas.microsoft.com/office/drawing/2014/main" id="{13E2755A-789D-FECE-AB9E-FBA7752E7CD0}"/>
+                <a16:creationId xmlns:a16="http://schemas.microsoft.com/office/drawing/2014/main" id="{B0E6343C-49D2-527E-CBFE-BB0A221ED36E}"/>
               </a:ext>
             </a:extLst>
           </p:cNvPr>
@@ -1949,7 +1949,7 @@
           <a:bodyPr/>
           <a:lstStyle/>
           <a:p>
-            <a:fld id="{0E60DBFC-B993-4FDD-9CA2-0536AE0CADE6}" type="datetimeFigureOut">
+            <a:fld id="{600643FD-1EED-45C8-AE19-EBD5A03A96CA}" type="datetimeFigureOut">
               <a:rPr lang="zh-CN" altLang="en-US" smtClean="0"/>
               <a:t>2024/3/10</a:t>
             </a:fld>
@@ -1962,7 +1962,7 @@
           <p:cNvPr id="4" name="页脚占位符 3">
             <a:extLst>
               <a:ext uri="{FF2B5EF4-FFF2-40B4-BE49-F238E27FC236}">
-                <a16:creationId xmlns:a16="http://schemas.microsoft.com/office/drawing/2014/main" id="{E15AD552-17A6-336C-7A3C-E4B7521EECE2}"/>
+                <a16:creationId xmlns:a16="http://schemas.microsoft.com/office/drawing/2014/main" id="{0BB690BA-986F-8787-5F6B-9DF763339304}"/>
               </a:ext>
             </a:extLst>
           </p:cNvPr>
@@ -1987,7 +1987,7 @@
           <p:cNvPr id="5" name="灯片编号占位符 4">
             <a:extLst>
               <a:ext uri="{FF2B5EF4-FFF2-40B4-BE49-F238E27FC236}">
-                <a16:creationId xmlns:a16="http://schemas.microsoft.com/office/drawing/2014/main" id="{DC57A68E-5B37-7AF1-FB5F-503A73AEBEE7}"/>
+                <a16:creationId xmlns:a16="http://schemas.microsoft.com/office/drawing/2014/main" id="{7D662203-3769-0339-B528-9EA8EAACD1ED}"/>
               </a:ext>
             </a:extLst>
           </p:cNvPr>
@@ -2003,7 +2003,7 @@
           <a:bodyPr/>
           <a:lstStyle/>
           <a:p>
-            <a:fld id="{D3AA8F4A-D5A5-4682-882E-9CB318BD6A57}" type="slidenum">
+            <a:fld id="{70448DE1-5C5B-47B0-B115-BFD50C7823C6}" type="slidenum">
               <a:rPr lang="zh-CN" altLang="en-US" smtClean="0"/>
               <a:t>‹#›</a:t>
             </a:fld>
@@ -2014,7 +2014,7 @@
     </p:spTree>
     <p:extLst>
       <p:ext uri="{BB962C8B-B14F-4D97-AF65-F5344CB8AC3E}">
-        <p14:creationId xmlns:p14="http://schemas.microsoft.com/office/powerpoint/2010/main" val="3939088378"/>
+        <p14:creationId xmlns:p14="http://schemas.microsoft.com/office/powerpoint/2010/main" val="2382720298"/>
       </p:ext>
     </p:extLst>
   </p:cSld>
@@ -2046,7 +2046,7 @@
           <p:cNvPr id="2" name="日期占位符 1">
             <a:extLst>
               <a:ext uri="{FF2B5EF4-FFF2-40B4-BE49-F238E27FC236}">
-                <a16:creationId xmlns:a16="http://schemas.microsoft.com/office/drawing/2014/main" id="{E5434381-FBF8-4BF6-506A-5B9106626BBD}"/>
+                <a16:creationId xmlns:a16="http://schemas.microsoft.com/office/drawing/2014/main" id="{965EE119-BFD6-E382-5721-4088AB5C824D}"/>
               </a:ext>
             </a:extLst>
           </p:cNvPr>
@@ -2062,7 +2062,7 @@
           <a:bodyPr/>
           <a:lstStyle/>
           <a:p>
-            <a:fld id="{0E60DBFC-B993-4FDD-9CA2-0536AE0CADE6}" type="datetimeFigureOut">
+            <a:fld id="{600643FD-1EED-45C8-AE19-EBD5A03A96CA}" type="datetimeFigureOut">
               <a:rPr lang="zh-CN" altLang="en-US" smtClean="0"/>
               <a:t>2024/3/10</a:t>
             </a:fld>
@@ -2075,7 +2075,7 @@
           <p:cNvPr id="3" name="页脚占位符 2">
             <a:extLst>
               <a:ext uri="{FF2B5EF4-FFF2-40B4-BE49-F238E27FC236}">
-                <a16:creationId xmlns:a16="http://schemas.microsoft.com/office/drawing/2014/main" id="{581E0BCE-6849-2AD5-90A2-87A7D62F95CC}"/>
+                <a16:creationId xmlns:a16="http://schemas.microsoft.com/office/drawing/2014/main" id="{5DEEED5C-3A31-059E-69DF-1706D2225747}"/>
               </a:ext>
             </a:extLst>
           </p:cNvPr>
@@ -2100,7 +2100,7 @@
           <p:cNvPr id="4" name="灯片编号占位符 3">
             <a:extLst>
               <a:ext uri="{FF2B5EF4-FFF2-40B4-BE49-F238E27FC236}">
-                <a16:creationId xmlns:a16="http://schemas.microsoft.com/office/drawing/2014/main" id="{12098B02-6096-E267-E769-52C682EB3B7D}"/>
+                <a16:creationId xmlns:a16="http://schemas.microsoft.com/office/drawing/2014/main" id="{07AC4710-7C2D-D54B-DCEE-9CE30D5A5237}"/>
               </a:ext>
             </a:extLst>
           </p:cNvPr>
@@ -2116,7 +2116,7 @@
           <a:bodyPr/>
           <a:lstStyle/>
           <a:p>
-            <a:fld id="{D3AA8F4A-D5A5-4682-882E-9CB318BD6A57}" type="slidenum">
+            <a:fld id="{70448DE1-5C5B-47B0-B115-BFD50C7823C6}" type="slidenum">
               <a:rPr lang="zh-CN" altLang="en-US" smtClean="0"/>
               <a:t>‹#›</a:t>
             </a:fld>
@@ -2127,7 +2127,7 @@
     </p:spTree>
     <p:extLst>
       <p:ext uri="{BB962C8B-B14F-4D97-AF65-F5344CB8AC3E}">
-        <p14:creationId xmlns:p14="http://schemas.microsoft.com/office/powerpoint/2010/main" val="3322471545"/>
+        <p14:creationId xmlns:p14="http://schemas.microsoft.com/office/powerpoint/2010/main" val="3892831935"/>
       </p:ext>
     </p:extLst>
   </p:cSld>
@@ -2159,7 +2159,7 @@
           <p:cNvPr id="2" name="标题 1">
             <a:extLst>
               <a:ext uri="{FF2B5EF4-FFF2-40B4-BE49-F238E27FC236}">
-                <a16:creationId xmlns:a16="http://schemas.microsoft.com/office/drawing/2014/main" id="{DFB12A49-52EB-BA90-97CB-4236C8487D2E}"/>
+                <a16:creationId xmlns:a16="http://schemas.microsoft.com/office/drawing/2014/main" id="{54B757D5-C9C9-BCB5-DE44-626E62164A5E}"/>
               </a:ext>
             </a:extLst>
           </p:cNvPr>
@@ -2196,7 +2196,7 @@
           <p:cNvPr id="3" name="内容占位符 2">
             <a:extLst>
               <a:ext uri="{FF2B5EF4-FFF2-40B4-BE49-F238E27FC236}">
-                <a16:creationId xmlns:a16="http://schemas.microsoft.com/office/drawing/2014/main" id="{58CE8145-4EA8-C280-080B-B1B424EA1C46}"/>
+                <a16:creationId xmlns:a16="http://schemas.microsoft.com/office/drawing/2014/main" id="{F5BDA9C6-02C7-B57C-4238-BE2679F275B3}"/>
               </a:ext>
             </a:extLst>
           </p:cNvPr>
@@ -2286,7 +2286,7 @@
           <p:cNvPr id="4" name="文本占位符 3">
             <a:extLst>
               <a:ext uri="{FF2B5EF4-FFF2-40B4-BE49-F238E27FC236}">
-                <a16:creationId xmlns:a16="http://schemas.microsoft.com/office/drawing/2014/main" id="{FD546544-3F53-5038-F93E-76BCA6367F6C}"/>
+                <a16:creationId xmlns:a16="http://schemas.microsoft.com/office/drawing/2014/main" id="{0FA45F46-5562-372D-2A28-17A0942A3BA8}"/>
               </a:ext>
             </a:extLst>
           </p:cNvPr>
@@ -2357,7 +2357,7 @@
           <p:cNvPr id="5" name="日期占位符 4">
             <a:extLst>
               <a:ext uri="{FF2B5EF4-FFF2-40B4-BE49-F238E27FC236}">
-                <a16:creationId xmlns:a16="http://schemas.microsoft.com/office/drawing/2014/main" id="{1F959D23-34B5-9AF3-916A-C59EF9D7B7DC}"/>
+                <a16:creationId xmlns:a16="http://schemas.microsoft.com/office/drawing/2014/main" id="{E2E3D6CA-F668-0C11-4C20-895192C11494}"/>
               </a:ext>
             </a:extLst>
           </p:cNvPr>
@@ -2373,7 +2373,7 @@
           <a:bodyPr/>
           <a:lstStyle/>
           <a:p>
-            <a:fld id="{0E60DBFC-B993-4FDD-9CA2-0536AE0CADE6}" type="datetimeFigureOut">
+            <a:fld id="{600643FD-1EED-45C8-AE19-EBD5A03A96CA}" type="datetimeFigureOut">
               <a:rPr lang="zh-CN" altLang="en-US" smtClean="0"/>
               <a:t>2024/3/10</a:t>
             </a:fld>
@@ -2386,7 +2386,7 @@
           <p:cNvPr id="6" name="页脚占位符 5">
             <a:extLst>
               <a:ext uri="{FF2B5EF4-FFF2-40B4-BE49-F238E27FC236}">
-                <a16:creationId xmlns:a16="http://schemas.microsoft.com/office/drawing/2014/main" id="{E9E431E3-11CB-046D-2C16-42507A18AA48}"/>
+                <a16:creationId xmlns:a16="http://schemas.microsoft.com/office/drawing/2014/main" id="{BEC4A22D-335B-FDE0-AA4C-66F2E045544F}"/>
               </a:ext>
             </a:extLst>
           </p:cNvPr>
@@ -2411,7 +2411,7 @@
           <p:cNvPr id="7" name="灯片编号占位符 6">
             <a:extLst>
               <a:ext uri="{FF2B5EF4-FFF2-40B4-BE49-F238E27FC236}">
-                <a16:creationId xmlns:a16="http://schemas.microsoft.com/office/drawing/2014/main" id="{1DE35380-E52B-8E1E-23FC-79F3AD9E2CB1}"/>
+                <a16:creationId xmlns:a16="http://schemas.microsoft.com/office/drawing/2014/main" id="{B185D582-7CF6-E4F7-C9D7-20B02E3ABBA3}"/>
               </a:ext>
             </a:extLst>
           </p:cNvPr>
@@ -2427,7 +2427,7 @@
           <a:bodyPr/>
           <a:lstStyle/>
           <a:p>
-            <a:fld id="{D3AA8F4A-D5A5-4682-882E-9CB318BD6A57}" type="slidenum">
+            <a:fld id="{70448DE1-5C5B-47B0-B115-BFD50C7823C6}" type="slidenum">
               <a:rPr lang="zh-CN" altLang="en-US" smtClean="0"/>
               <a:t>‹#›</a:t>
             </a:fld>
@@ -2438,7 +2438,7 @@
     </p:spTree>
     <p:extLst>
       <p:ext uri="{BB962C8B-B14F-4D97-AF65-F5344CB8AC3E}">
-        <p14:creationId xmlns:p14="http://schemas.microsoft.com/office/powerpoint/2010/main" val="1418271529"/>
+        <p14:creationId xmlns:p14="http://schemas.microsoft.com/office/powerpoint/2010/main" val="3859960963"/>
       </p:ext>
     </p:extLst>
   </p:cSld>
@@ -2470,7 +2470,7 @@
           <p:cNvPr id="2" name="标题 1">
             <a:extLst>
               <a:ext uri="{FF2B5EF4-FFF2-40B4-BE49-F238E27FC236}">
-                <a16:creationId xmlns:a16="http://schemas.microsoft.com/office/drawing/2014/main" id="{9996B208-5F98-DFA0-B894-88A0CC46BC9D}"/>
+                <a16:creationId xmlns:a16="http://schemas.microsoft.com/office/drawing/2014/main" id="{2B76F0FC-4577-B91A-B8D0-B242FF4D9F9F}"/>
               </a:ext>
             </a:extLst>
           </p:cNvPr>
@@ -2507,7 +2507,7 @@
           <p:cNvPr id="3" name="图片占位符 2">
             <a:extLst>
               <a:ext uri="{FF2B5EF4-FFF2-40B4-BE49-F238E27FC236}">
-                <a16:creationId xmlns:a16="http://schemas.microsoft.com/office/drawing/2014/main" id="{F1A4DAC4-78D1-4E53-5EED-026D1266C528}"/>
+                <a16:creationId xmlns:a16="http://schemas.microsoft.com/office/drawing/2014/main" id="{49DF7A29-AED3-DD53-F646-E9B08E8A917E}"/>
               </a:ext>
             </a:extLst>
           </p:cNvPr>
@@ -2574,7 +2574,7 @@
           <p:cNvPr id="4" name="文本占位符 3">
             <a:extLst>
               <a:ext uri="{FF2B5EF4-FFF2-40B4-BE49-F238E27FC236}">
-                <a16:creationId xmlns:a16="http://schemas.microsoft.com/office/drawing/2014/main" id="{3B6E458B-EA92-B021-02F8-BDABC0712DBA}"/>
+                <a16:creationId xmlns:a16="http://schemas.microsoft.com/office/drawing/2014/main" id="{DB7FF537-8E6F-BE3C-5A8F-FE085F13E49C}"/>
               </a:ext>
             </a:extLst>
           </p:cNvPr>
@@ -2645,7 +2645,7 @@
           <p:cNvPr id="5" name="日期占位符 4">
             <a:extLst>
               <a:ext uri="{FF2B5EF4-FFF2-40B4-BE49-F238E27FC236}">
-                <a16:creationId xmlns:a16="http://schemas.microsoft.com/office/drawing/2014/main" id="{4EDAE357-DE1A-6829-C36A-9E541B2EAADA}"/>
+                <a16:creationId xmlns:a16="http://schemas.microsoft.com/office/drawing/2014/main" id="{11F96A1F-386E-46CA-2A22-E6F9B196CB5B}"/>
               </a:ext>
             </a:extLst>
           </p:cNvPr>
@@ -2661,7 +2661,7 @@
           <a:bodyPr/>
           <a:lstStyle/>
           <a:p>
-            <a:fld id="{0E60DBFC-B993-4FDD-9CA2-0536AE0CADE6}" type="datetimeFigureOut">
+            <a:fld id="{600643FD-1EED-45C8-AE19-EBD5A03A96CA}" type="datetimeFigureOut">
               <a:rPr lang="zh-CN" altLang="en-US" smtClean="0"/>
               <a:t>2024/3/10</a:t>
             </a:fld>
@@ -2674,7 +2674,7 @@
           <p:cNvPr id="6" name="页脚占位符 5">
             <a:extLst>
               <a:ext uri="{FF2B5EF4-FFF2-40B4-BE49-F238E27FC236}">
-                <a16:creationId xmlns:a16="http://schemas.microsoft.com/office/drawing/2014/main" id="{B13501B2-180B-4CE2-CE1E-B95E4B5A31B6}"/>
+                <a16:creationId xmlns:a16="http://schemas.microsoft.com/office/drawing/2014/main" id="{B1B15CB6-D454-9722-A852-9702963E4348}"/>
               </a:ext>
             </a:extLst>
           </p:cNvPr>
@@ -2699,7 +2699,7 @@
           <p:cNvPr id="7" name="灯片编号占位符 6">
             <a:extLst>
               <a:ext uri="{FF2B5EF4-FFF2-40B4-BE49-F238E27FC236}">
-                <a16:creationId xmlns:a16="http://schemas.microsoft.com/office/drawing/2014/main" id="{43DC7CFD-9845-C8DD-B3AA-1AF389A4406D}"/>
+                <a16:creationId xmlns:a16="http://schemas.microsoft.com/office/drawing/2014/main" id="{52BC1709-24EB-11E7-0AF0-F605DFAA9661}"/>
               </a:ext>
             </a:extLst>
           </p:cNvPr>
@@ -2715,7 +2715,7 @@
           <a:bodyPr/>
           <a:lstStyle/>
           <a:p>
-            <a:fld id="{D3AA8F4A-D5A5-4682-882E-9CB318BD6A57}" type="slidenum">
+            <a:fld id="{70448DE1-5C5B-47B0-B115-BFD50C7823C6}" type="slidenum">
               <a:rPr lang="zh-CN" altLang="en-US" smtClean="0"/>
               <a:t>‹#›</a:t>
             </a:fld>
@@ -2726,7 +2726,7 @@
     </p:spTree>
     <p:extLst>
       <p:ext uri="{BB962C8B-B14F-4D97-AF65-F5344CB8AC3E}">
-        <p14:creationId xmlns:p14="http://schemas.microsoft.com/office/powerpoint/2010/main" val="1062719053"/>
+        <p14:creationId xmlns:p14="http://schemas.microsoft.com/office/powerpoint/2010/main" val="252436074"/>
       </p:ext>
     </p:extLst>
   </p:cSld>
@@ -2763,7 +2763,7 @@
           <p:cNvPr id="2" name="标题占位符 1">
             <a:extLst>
               <a:ext uri="{FF2B5EF4-FFF2-40B4-BE49-F238E27FC236}">
-                <a16:creationId xmlns:a16="http://schemas.microsoft.com/office/drawing/2014/main" id="{38169C84-C8EF-11E3-1941-E2B488183F2C}"/>
+                <a16:creationId xmlns:a16="http://schemas.microsoft.com/office/drawing/2014/main" id="{4C0BA943-9541-CAAC-BDF3-4CA5AFE03C20}"/>
               </a:ext>
             </a:extLst>
           </p:cNvPr>
@@ -2801,7 +2801,7 @@
           <p:cNvPr id="3" name="文本占位符 2">
             <a:extLst>
               <a:ext uri="{FF2B5EF4-FFF2-40B4-BE49-F238E27FC236}">
-                <a16:creationId xmlns:a16="http://schemas.microsoft.com/office/drawing/2014/main" id="{24D91C88-4321-2C4A-5450-305F4EF1B734}"/>
+                <a16:creationId xmlns:a16="http://schemas.microsoft.com/office/drawing/2014/main" id="{8DD8249B-979D-8CDF-F39A-0FA1A2C6EC0B}"/>
               </a:ext>
             </a:extLst>
           </p:cNvPr>
@@ -2868,7 +2868,7 @@
           <p:cNvPr id="4" name="日期占位符 3">
             <a:extLst>
               <a:ext uri="{FF2B5EF4-FFF2-40B4-BE49-F238E27FC236}">
-                <a16:creationId xmlns:a16="http://schemas.microsoft.com/office/drawing/2014/main" id="{9BA64B7B-648D-60C5-F85A-9C5A42EB256B}"/>
+                <a16:creationId xmlns:a16="http://schemas.microsoft.com/office/drawing/2014/main" id="{8FEC7458-F80D-CFD5-DE21-4DD1A5982F49}"/>
               </a:ext>
             </a:extLst>
           </p:cNvPr>
@@ -2902,7 +2902,7 @@
             </a:lvl1pPr>
           </a:lstStyle>
           <a:p>
-            <a:fld id="{0E60DBFC-B993-4FDD-9CA2-0536AE0CADE6}" type="datetimeFigureOut">
+            <a:fld id="{600643FD-1EED-45C8-AE19-EBD5A03A96CA}" type="datetimeFigureOut">
               <a:rPr lang="zh-CN" altLang="en-US" smtClean="0"/>
               <a:t>2024/3/10</a:t>
             </a:fld>
@@ -2915,7 +2915,7 @@
           <p:cNvPr id="5" name="页脚占位符 4">
             <a:extLst>
               <a:ext uri="{FF2B5EF4-FFF2-40B4-BE49-F238E27FC236}">
-                <a16:creationId xmlns:a16="http://schemas.microsoft.com/office/drawing/2014/main" id="{B6B4C765-A438-6BA8-8737-36D7741CE332}"/>
+                <a16:creationId xmlns:a16="http://schemas.microsoft.com/office/drawing/2014/main" id="{98D296B8-35C8-998E-1355-6649C7CAE22A}"/>
               </a:ext>
             </a:extLst>
           </p:cNvPr>
@@ -2958,7 +2958,7 @@
           <p:cNvPr id="6" name="灯片编号占位符 5">
             <a:extLst>
               <a:ext uri="{FF2B5EF4-FFF2-40B4-BE49-F238E27FC236}">
-                <a16:creationId xmlns:a16="http://schemas.microsoft.com/office/drawing/2014/main" id="{8AFBDC5C-0DBB-2B85-9EDE-DE49BCFAF661}"/>
+                <a16:creationId xmlns:a16="http://schemas.microsoft.com/office/drawing/2014/main" id="{43A6E43F-95E0-E8C2-C582-2C5EF45846B8}"/>
               </a:ext>
             </a:extLst>
           </p:cNvPr>
@@ -2992,7 +2992,7 @@
             </a:lvl1pPr>
           </a:lstStyle>
           <a:p>
-            <a:fld id="{D3AA8F4A-D5A5-4682-882E-9CB318BD6A57}" type="slidenum">
+            <a:fld id="{70448DE1-5C5B-47B0-B115-BFD50C7823C6}" type="slidenum">
               <a:rPr lang="zh-CN" altLang="en-US" smtClean="0"/>
               <a:t>‹#›</a:t>
             </a:fld>
@@ -3003,7 +3003,7 @@
     </p:spTree>
     <p:extLst>
       <p:ext uri="{BB962C8B-B14F-4D97-AF65-F5344CB8AC3E}">
-        <p14:creationId xmlns:p14="http://schemas.microsoft.com/office/powerpoint/2010/main" val="2629399002"/>
+        <p14:creationId xmlns:p14="http://schemas.microsoft.com/office/powerpoint/2010/main" val="4116562301"/>
       </p:ext>
     </p:extLst>
   </p:cSld>
